--- a/36 - In Thy Name, O Lord, Assembling.pptx
+++ b/36 - In Thy Name, O Lord, Assembling.pptx
@@ -243,7 +243,7 @@
           <a:p>
             <a:fld id="{32F7251A-AE54-443C-B8FE-5F636E835EBF}" type="datetimeFigureOut">
               <a:rPr lang="en-US" smtClean="0"/>
-              <a:t>2/25/2018</a:t>
+              <a:t>8/2/2020</a:t>
             </a:fld>
             <a:endParaRPr lang="en-US"/>
           </a:p>
@@ -411,7 +411,7 @@
           <a:p>
             <a:fld id="{32F7251A-AE54-443C-B8FE-5F636E835EBF}" type="datetimeFigureOut">
               <a:rPr lang="en-US" smtClean="0"/>
-              <a:t>2/25/2018</a:t>
+              <a:t>8/2/2020</a:t>
             </a:fld>
             <a:endParaRPr lang="en-US"/>
           </a:p>
@@ -589,7 +589,7 @@
           <a:p>
             <a:fld id="{32F7251A-AE54-443C-B8FE-5F636E835EBF}" type="datetimeFigureOut">
               <a:rPr lang="en-US" smtClean="0"/>
-              <a:t>2/25/2018</a:t>
+              <a:t>8/2/2020</a:t>
             </a:fld>
             <a:endParaRPr lang="en-US"/>
           </a:p>
@@ -757,7 +757,7 @@
           <a:p>
             <a:fld id="{32F7251A-AE54-443C-B8FE-5F636E835EBF}" type="datetimeFigureOut">
               <a:rPr lang="en-US" smtClean="0"/>
-              <a:t>2/25/2018</a:t>
+              <a:t>8/2/2020</a:t>
             </a:fld>
             <a:endParaRPr lang="en-US"/>
           </a:p>
@@ -1002,7 +1002,7 @@
           <a:p>
             <a:fld id="{32F7251A-AE54-443C-B8FE-5F636E835EBF}" type="datetimeFigureOut">
               <a:rPr lang="en-US" smtClean="0"/>
-              <a:t>2/25/2018</a:t>
+              <a:t>8/2/2020</a:t>
             </a:fld>
             <a:endParaRPr lang="en-US"/>
           </a:p>
@@ -1231,7 +1231,7 @@
           <a:p>
             <a:fld id="{32F7251A-AE54-443C-B8FE-5F636E835EBF}" type="datetimeFigureOut">
               <a:rPr lang="en-US" smtClean="0"/>
-              <a:t>2/25/2018</a:t>
+              <a:t>8/2/2020</a:t>
             </a:fld>
             <a:endParaRPr lang="en-US"/>
           </a:p>
@@ -1595,7 +1595,7 @@
           <a:p>
             <a:fld id="{32F7251A-AE54-443C-B8FE-5F636E835EBF}" type="datetimeFigureOut">
               <a:rPr lang="en-US" smtClean="0"/>
-              <a:t>2/25/2018</a:t>
+              <a:t>8/2/2020</a:t>
             </a:fld>
             <a:endParaRPr lang="en-US"/>
           </a:p>
@@ -1712,7 +1712,7 @@
           <a:p>
             <a:fld id="{32F7251A-AE54-443C-B8FE-5F636E835EBF}" type="datetimeFigureOut">
               <a:rPr lang="en-US" smtClean="0"/>
-              <a:t>2/25/2018</a:t>
+              <a:t>8/2/2020</a:t>
             </a:fld>
             <a:endParaRPr lang="en-US"/>
           </a:p>
@@ -1807,7 +1807,7 @@
           <a:p>
             <a:fld id="{32F7251A-AE54-443C-B8FE-5F636E835EBF}" type="datetimeFigureOut">
               <a:rPr lang="en-US" smtClean="0"/>
-              <a:t>2/25/2018</a:t>
+              <a:t>8/2/2020</a:t>
             </a:fld>
             <a:endParaRPr lang="en-US"/>
           </a:p>
@@ -2082,7 +2082,7 @@
           <a:p>
             <a:fld id="{32F7251A-AE54-443C-B8FE-5F636E835EBF}" type="datetimeFigureOut">
               <a:rPr lang="en-US" smtClean="0"/>
-              <a:t>2/25/2018</a:t>
+              <a:t>8/2/2020</a:t>
             </a:fld>
             <a:endParaRPr lang="en-US"/>
           </a:p>
@@ -2334,7 +2334,7 @@
           <a:p>
             <a:fld id="{32F7251A-AE54-443C-B8FE-5F636E835EBF}" type="datetimeFigureOut">
               <a:rPr lang="en-US" smtClean="0"/>
-              <a:t>2/25/2018</a:t>
+              <a:t>8/2/2020</a:t>
             </a:fld>
             <a:endParaRPr lang="en-US"/>
           </a:p>
@@ -2401,7 +2401,9 @@
     <p:bg>
       <p:bgPr>
         <a:solidFill>
-          <a:srgbClr val="333333"/>
+          <a:schemeClr val="bg1">
+            <a:lumMod val="10000"/>
+          </a:schemeClr>
         </a:solidFill>
         <a:effectLst/>
       </p:bgPr>
@@ -2548,7 +2550,7 @@
           <a:p>
             <a:fld id="{32F7251A-AE54-443C-B8FE-5F636E835EBF}" type="datetimeFigureOut">
               <a:rPr lang="en-US" smtClean="0"/>
-              <a:t>2/25/2018</a:t>
+              <a:t>8/2/2020</a:t>
             </a:fld>
             <a:endParaRPr lang="en-US"/>
           </a:p>
@@ -3018,8 +3020,8 @@
         </p:nvSpPr>
         <p:spPr>
           <a:xfrm>
-            <a:off x="0" y="5804209"/>
-            <a:ext cx="12192000" cy="830997"/>
+            <a:off x="0" y="5927320"/>
+            <a:ext cx="12192000" cy="584775"/>
           </a:xfrm>
           <a:prstGeom prst="rect">
             <a:avLst/>
@@ -3034,10 +3036,12 @@
           <a:p>
             <a:pPr algn="ctr"/>
             <a:r>
-              <a:rPr lang="en-US" sz="4800" dirty="0">
+              <a:rPr lang="en-US" sz="3200" u="sng" dirty="0">
                 <a:solidFill>
                   <a:schemeClr val="bg1"/>
                 </a:solidFill>
+                <a:latin typeface="Assistant SemiBold" panose="00000700000000000000" pitchFamily="2" charset="-79"/>
+                <a:cs typeface="Assistant SemiBold" panose="00000700000000000000" pitchFamily="2" charset="-79"/>
               </a:rPr>
               <a:t>“In Thy Name, O Lord, Assembling”</a:t>
             </a:r>
@@ -3052,8 +3056,8 @@
         </p:nvSpPr>
         <p:spPr>
           <a:xfrm>
-            <a:off x="0" y="279622"/>
-            <a:ext cx="12192000" cy="5078313"/>
+            <a:off x="0" y="729571"/>
+            <a:ext cx="12192000" cy="3970318"/>
           </a:xfrm>
           <a:prstGeom prst="rect">
             <a:avLst/>
@@ -3068,10 +3072,12 @@
           <a:p>
             <a:pPr algn="ctr"/>
             <a:r>
-              <a:rPr lang="en-US" sz="3600" dirty="0">
+              <a:rPr lang="en-US" sz="2800" spc="50" dirty="0">
                 <a:solidFill>
                   <a:schemeClr val="bg1"/>
                 </a:solidFill>
+                <a:latin typeface="Assistant" panose="00000500000000000000" pitchFamily="2" charset="-79"/>
+                <a:cs typeface="Assistant" panose="00000500000000000000" pitchFamily="2" charset="-79"/>
               </a:rPr>
               <a:t>In Thy name, O Lord, assembling,</a:t>
             </a:r>
@@ -3079,10 +3085,12 @@
           <a:p>
             <a:pPr algn="ctr"/>
             <a:r>
-              <a:rPr lang="en-US" sz="3600" dirty="0">
+              <a:rPr lang="en-US" sz="2800" spc="50" dirty="0">
                 <a:solidFill>
                   <a:schemeClr val="bg1"/>
                 </a:solidFill>
+                <a:latin typeface="Assistant" panose="00000500000000000000" pitchFamily="2" charset="-79"/>
+                <a:cs typeface="Assistant" panose="00000500000000000000" pitchFamily="2" charset="-79"/>
               </a:rPr>
               <a:t>We, Thy people, now draw near;</a:t>
             </a:r>
@@ -3090,10 +3098,12 @@
           <a:p>
             <a:pPr algn="ctr"/>
             <a:r>
-              <a:rPr lang="en-US" sz="3600" dirty="0">
+              <a:rPr lang="en-US" sz="2800" spc="50" dirty="0">
                 <a:solidFill>
                   <a:schemeClr val="bg1"/>
                 </a:solidFill>
+                <a:latin typeface="Assistant" panose="00000500000000000000" pitchFamily="2" charset="-79"/>
+                <a:cs typeface="Assistant" panose="00000500000000000000" pitchFamily="2" charset="-79"/>
               </a:rPr>
               <a:t>Teach us to rejoice with trembling;</a:t>
             </a:r>
@@ -3101,29 +3111,35 @@
           <a:p>
             <a:pPr algn="ctr"/>
             <a:r>
-              <a:rPr lang="en-US" sz="3600" dirty="0">
+              <a:rPr lang="en-US" sz="2800" spc="50" dirty="0">
                 <a:solidFill>
                   <a:schemeClr val="bg1"/>
                 </a:solidFill>
+                <a:latin typeface="Assistant" panose="00000500000000000000" pitchFamily="2" charset="-79"/>
+                <a:cs typeface="Assistant" panose="00000500000000000000" pitchFamily="2" charset="-79"/>
               </a:rPr>
               <a:t>Speak, and let Thy servants hear—</a:t>
             </a:r>
           </a:p>
           <a:p>
             <a:pPr algn="ctr"/>
-            <a:endParaRPr lang="en-US" sz="3600" dirty="0">
+            <a:endParaRPr lang="en-US" sz="2800" spc="50" dirty="0">
               <a:solidFill>
                 <a:schemeClr val="bg1"/>
               </a:solidFill>
+              <a:latin typeface="Assistant" panose="00000500000000000000" pitchFamily="2" charset="-79"/>
+              <a:cs typeface="Assistant" panose="00000500000000000000" pitchFamily="2" charset="-79"/>
             </a:endParaRPr>
           </a:p>
           <a:p>
             <a:pPr algn="ctr"/>
             <a:r>
-              <a:rPr lang="en-US" sz="3600" dirty="0">
+              <a:rPr lang="en-US" sz="2800" spc="50" dirty="0">
                 <a:solidFill>
                   <a:schemeClr val="bg1"/>
                 </a:solidFill>
+                <a:latin typeface="Assistant" panose="00000500000000000000" pitchFamily="2" charset="-79"/>
+                <a:cs typeface="Assistant" panose="00000500000000000000" pitchFamily="2" charset="-79"/>
               </a:rPr>
               <a:t>Hear with meekness,</a:t>
             </a:r>
@@ -3131,10 +3147,12 @@
           <a:p>
             <a:pPr algn="ctr"/>
             <a:r>
-              <a:rPr lang="en-US" sz="3600" dirty="0">
+              <a:rPr lang="en-US" sz="2800" spc="50" dirty="0">
                 <a:solidFill>
                   <a:schemeClr val="bg1"/>
                 </a:solidFill>
+                <a:latin typeface="Assistant" panose="00000500000000000000" pitchFamily="2" charset="-79"/>
+                <a:cs typeface="Assistant" panose="00000500000000000000" pitchFamily="2" charset="-79"/>
               </a:rPr>
               <a:t>Hear Thy word with Godly fear;</a:t>
             </a:r>
@@ -3142,10 +3160,12 @@
           <a:p>
             <a:pPr algn="ctr"/>
             <a:r>
-              <a:rPr lang="en-US" sz="3600" dirty="0">
+              <a:rPr lang="en-US" sz="2800" spc="50" dirty="0">
                 <a:solidFill>
                   <a:schemeClr val="bg1"/>
                 </a:solidFill>
+                <a:latin typeface="Assistant" panose="00000500000000000000" pitchFamily="2" charset="-79"/>
+                <a:cs typeface="Assistant" panose="00000500000000000000" pitchFamily="2" charset="-79"/>
               </a:rPr>
               <a:t>Hear with meekness,</a:t>
             </a:r>
@@ -3153,10 +3173,12 @@
           <a:p>
             <a:pPr algn="ctr"/>
             <a:r>
-              <a:rPr lang="en-US" sz="3600" dirty="0">
+              <a:rPr lang="en-US" sz="2800" spc="50" dirty="0">
                 <a:solidFill>
                   <a:schemeClr val="bg1"/>
                 </a:solidFill>
+                <a:latin typeface="Assistant" panose="00000500000000000000" pitchFamily="2" charset="-79"/>
+                <a:cs typeface="Assistant" panose="00000500000000000000" pitchFamily="2" charset="-79"/>
               </a:rPr>
               <a:t>Hear Thy word with Godly fear.</a:t>
             </a:r>
@@ -3258,8 +3280,8 @@
         </p:nvSpPr>
         <p:spPr>
           <a:xfrm>
-            <a:off x="0" y="5804209"/>
-            <a:ext cx="12192000" cy="830997"/>
+            <a:off x="0" y="5927320"/>
+            <a:ext cx="12192000" cy="584775"/>
           </a:xfrm>
           <a:prstGeom prst="rect">
             <a:avLst/>
@@ -3274,10 +3296,12 @@
           <a:p>
             <a:pPr algn="ctr"/>
             <a:r>
-              <a:rPr lang="en-US" sz="4800" dirty="0">
+              <a:rPr lang="en-US" sz="3200" u="sng" dirty="0">
                 <a:solidFill>
                   <a:schemeClr val="bg1"/>
                 </a:solidFill>
+                <a:latin typeface="Assistant SemiBold" panose="00000700000000000000" pitchFamily="2" charset="-79"/>
+                <a:cs typeface="Assistant SemiBold" panose="00000700000000000000" pitchFamily="2" charset="-79"/>
               </a:rPr>
               <a:t>“In Thy Name, O Lord, Assembling”</a:t>
             </a:r>
@@ -3292,8 +3316,8 @@
         </p:nvSpPr>
         <p:spPr>
           <a:xfrm>
-            <a:off x="0" y="279622"/>
-            <a:ext cx="12192000" cy="5078313"/>
+            <a:off x="0" y="729571"/>
+            <a:ext cx="12192000" cy="3970318"/>
           </a:xfrm>
           <a:prstGeom prst="rect">
             <a:avLst/>
@@ -3308,34 +3332,42 @@
           <a:p>
             <a:pPr algn="ctr"/>
             <a:r>
-              <a:rPr lang="en-US" sz="3600" dirty="0">
+              <a:rPr lang="en-US" sz="2800" spc="50" dirty="0">
                 <a:solidFill>
                   <a:schemeClr val="bg1"/>
                 </a:solidFill>
+                <a:latin typeface="Assistant" panose="00000500000000000000" pitchFamily="2" charset="-79"/>
+                <a:cs typeface="Assistant" panose="00000500000000000000" pitchFamily="2" charset="-79"/>
               </a:rPr>
               <a:t>While our days on Earth are </a:t>
             </a:r>
             <a:r>
-              <a:rPr lang="en-US" sz="3600" dirty="0" err="1">
+              <a:rPr lang="en-US" sz="2800" spc="50" dirty="0" err="1">
                 <a:solidFill>
                   <a:schemeClr val="bg1"/>
                 </a:solidFill>
+                <a:latin typeface="Assistant" panose="00000500000000000000" pitchFamily="2" charset="-79"/>
+                <a:cs typeface="Assistant" panose="00000500000000000000" pitchFamily="2" charset="-79"/>
               </a:rPr>
               <a:t>lengthed</a:t>
             </a:r>
-            <a:endParaRPr lang="en-US" sz="3600" dirty="0">
+            <a:endParaRPr lang="en-US" sz="2800" spc="50" dirty="0">
               <a:solidFill>
                 <a:schemeClr val="bg1"/>
               </a:solidFill>
+              <a:latin typeface="Assistant" panose="00000500000000000000" pitchFamily="2" charset="-79"/>
+              <a:cs typeface="Assistant" panose="00000500000000000000" pitchFamily="2" charset="-79"/>
             </a:endParaRPr>
           </a:p>
           <a:p>
             <a:pPr algn="ctr"/>
             <a:r>
-              <a:rPr lang="en-US" sz="3600" dirty="0">
+              <a:rPr lang="en-US" sz="2800" spc="50" dirty="0">
                 <a:solidFill>
                   <a:schemeClr val="bg1"/>
                 </a:solidFill>
+                <a:latin typeface="Assistant" panose="00000500000000000000" pitchFamily="2" charset="-79"/>
+                <a:cs typeface="Assistant" panose="00000500000000000000" pitchFamily="2" charset="-79"/>
               </a:rPr>
               <a:t>May we give them, Lord, to Thee;</a:t>
             </a:r>
@@ -3343,10 +3375,12 @@
           <a:p>
             <a:pPr algn="ctr"/>
             <a:r>
-              <a:rPr lang="en-US" sz="3600" dirty="0">
+              <a:rPr lang="en-US" sz="2800" spc="50" dirty="0">
                 <a:solidFill>
                   <a:schemeClr val="bg1"/>
                 </a:solidFill>
+                <a:latin typeface="Assistant" panose="00000500000000000000" pitchFamily="2" charset="-79"/>
+                <a:cs typeface="Assistant" panose="00000500000000000000" pitchFamily="2" charset="-79"/>
               </a:rPr>
               <a:t>Cheered by hope, and daily strengthened,</a:t>
             </a:r>
@@ -3354,37 +3388,45 @@
           <a:p>
             <a:pPr algn="ctr"/>
             <a:r>
-              <a:rPr lang="en-US" sz="3600" dirty="0">
+              <a:rPr lang="en-US" sz="2800" spc="50" dirty="0">
                 <a:solidFill>
                   <a:schemeClr val="bg1"/>
                 </a:solidFill>
+                <a:latin typeface="Assistant" panose="00000500000000000000" pitchFamily="2" charset="-79"/>
+                <a:cs typeface="Assistant" panose="00000500000000000000" pitchFamily="2" charset="-79"/>
               </a:rPr>
               <a:t>We would run, nor weary be,</a:t>
             </a:r>
           </a:p>
           <a:p>
             <a:pPr algn="ctr"/>
-            <a:endParaRPr lang="en-US" sz="3600" dirty="0">
+            <a:endParaRPr lang="en-US" sz="2800" spc="50" dirty="0">
               <a:solidFill>
                 <a:schemeClr val="bg1"/>
               </a:solidFill>
+              <a:latin typeface="Assistant" panose="00000500000000000000" pitchFamily="2" charset="-79"/>
+              <a:cs typeface="Assistant" panose="00000500000000000000" pitchFamily="2" charset="-79"/>
             </a:endParaRPr>
           </a:p>
           <a:p>
             <a:pPr algn="ctr"/>
             <a:r>
-              <a:rPr lang="en-US" sz="3600" dirty="0" err="1">
+              <a:rPr lang="en-US" sz="2800" spc="50" dirty="0" err="1">
                 <a:solidFill>
                   <a:schemeClr val="bg1"/>
                 </a:solidFill>
+                <a:latin typeface="Assistant" panose="00000500000000000000" pitchFamily="2" charset="-79"/>
+                <a:cs typeface="Assistant" panose="00000500000000000000" pitchFamily="2" charset="-79"/>
               </a:rPr>
               <a:t>‘Til</a:t>
             </a:r>
             <a:r>
-              <a:rPr lang="en-US" sz="3600" dirty="0">
+              <a:rPr lang="en-US" sz="2800" spc="50" dirty="0">
                 <a:solidFill>
                   <a:schemeClr val="bg1"/>
                 </a:solidFill>
+                <a:latin typeface="Assistant" panose="00000500000000000000" pitchFamily="2" charset="-79"/>
+                <a:cs typeface="Assistant" panose="00000500000000000000" pitchFamily="2" charset="-79"/>
               </a:rPr>
               <a:t> Thy glory,</a:t>
             </a:r>
@@ -3392,10 +3434,12 @@
           <a:p>
             <a:pPr algn="ctr"/>
             <a:r>
-              <a:rPr lang="en-US" sz="3600" dirty="0">
+              <a:rPr lang="en-US" sz="2800" spc="50" dirty="0">
                 <a:solidFill>
                   <a:schemeClr val="bg1"/>
                 </a:solidFill>
+                <a:latin typeface="Assistant" panose="00000500000000000000" pitchFamily="2" charset="-79"/>
+                <a:cs typeface="Assistant" panose="00000500000000000000" pitchFamily="2" charset="-79"/>
               </a:rPr>
               <a:t>Without clouds, in heaven we see;</a:t>
             </a:r>
@@ -3403,18 +3447,22 @@
           <a:p>
             <a:pPr algn="ctr"/>
             <a:r>
-              <a:rPr lang="en-US" sz="3600" dirty="0" err="1">
+              <a:rPr lang="en-US" sz="2800" spc="50" dirty="0" err="1">
                 <a:solidFill>
                   <a:schemeClr val="bg1"/>
                 </a:solidFill>
+                <a:latin typeface="Assistant" panose="00000500000000000000" pitchFamily="2" charset="-79"/>
+                <a:cs typeface="Assistant" panose="00000500000000000000" pitchFamily="2" charset="-79"/>
               </a:rPr>
               <a:t>‘Til</a:t>
             </a:r>
             <a:r>
-              <a:rPr lang="en-US" sz="3600" dirty="0">
+              <a:rPr lang="en-US" sz="2800" spc="50" dirty="0">
                 <a:solidFill>
                   <a:schemeClr val="bg1"/>
                 </a:solidFill>
+                <a:latin typeface="Assistant" panose="00000500000000000000" pitchFamily="2" charset="-79"/>
+                <a:cs typeface="Assistant" panose="00000500000000000000" pitchFamily="2" charset="-79"/>
               </a:rPr>
               <a:t> Thy glory,</a:t>
             </a:r>
@@ -3422,10 +3470,12 @@
           <a:p>
             <a:pPr algn="ctr"/>
             <a:r>
-              <a:rPr lang="en-US" sz="3600" dirty="0">
+              <a:rPr lang="en-US" sz="2800" spc="50" dirty="0">
                 <a:solidFill>
                   <a:schemeClr val="bg1"/>
                 </a:solidFill>
+                <a:latin typeface="Assistant" panose="00000500000000000000" pitchFamily="2" charset="-79"/>
+                <a:cs typeface="Assistant" panose="00000500000000000000" pitchFamily="2" charset="-79"/>
               </a:rPr>
               <a:t>Without clouds, in heaven we see.</a:t>
             </a:r>
@@ -3527,8 +3577,8 @@
         </p:nvSpPr>
         <p:spPr>
           <a:xfrm>
-            <a:off x="0" y="5804209"/>
-            <a:ext cx="12192000" cy="830997"/>
+            <a:off x="0" y="5927320"/>
+            <a:ext cx="12192000" cy="584775"/>
           </a:xfrm>
           <a:prstGeom prst="rect">
             <a:avLst/>
@@ -3543,10 +3593,12 @@
           <a:p>
             <a:pPr algn="ctr"/>
             <a:r>
-              <a:rPr lang="en-US" sz="4800" dirty="0">
+              <a:rPr lang="en-US" sz="3200" u="sng" dirty="0">
                 <a:solidFill>
                   <a:schemeClr val="bg1"/>
                 </a:solidFill>
+                <a:latin typeface="Assistant SemiBold" panose="00000700000000000000" pitchFamily="2" charset="-79"/>
+                <a:cs typeface="Assistant SemiBold" panose="00000700000000000000" pitchFamily="2" charset="-79"/>
               </a:rPr>
               <a:t>“In Thy Name, O Lord, Assembling”</a:t>
             </a:r>
@@ -3561,8 +3613,8 @@
         </p:nvSpPr>
         <p:spPr>
           <a:xfrm>
-            <a:off x="0" y="279622"/>
-            <a:ext cx="12192000" cy="5078313"/>
+            <a:off x="0" y="729571"/>
+            <a:ext cx="12192000" cy="3970318"/>
           </a:xfrm>
           <a:prstGeom prst="rect">
             <a:avLst/>
@@ -3577,10 +3629,12 @@
           <a:p>
             <a:pPr algn="ctr"/>
             <a:r>
-              <a:rPr lang="en-US" sz="3600" dirty="0">
+              <a:rPr lang="en-US" sz="2800" spc="50" dirty="0">
                 <a:solidFill>
                   <a:schemeClr val="bg1"/>
                 </a:solidFill>
+                <a:latin typeface="Assistant" panose="00000500000000000000" pitchFamily="2" charset="-79"/>
+                <a:cs typeface="Assistant" panose="00000500000000000000" pitchFamily="2" charset="-79"/>
               </a:rPr>
               <a:t>There in worship purer, sweeter,</a:t>
             </a:r>
@@ -3588,10 +3642,12 @@
           <a:p>
             <a:pPr algn="ctr"/>
             <a:r>
-              <a:rPr lang="en-US" sz="3600" dirty="0">
+              <a:rPr lang="en-US" sz="2800" spc="50" dirty="0">
                 <a:solidFill>
                   <a:schemeClr val="bg1"/>
                 </a:solidFill>
+                <a:latin typeface="Assistant" panose="00000500000000000000" pitchFamily="2" charset="-79"/>
+                <a:cs typeface="Assistant" panose="00000500000000000000" pitchFamily="2" charset="-79"/>
               </a:rPr>
               <a:t>All Thy people shall adore,</a:t>
             </a:r>
@@ -3599,10 +3655,12 @@
           <a:p>
             <a:pPr algn="ctr"/>
             <a:r>
-              <a:rPr lang="en-US" sz="3600" dirty="0">
+              <a:rPr lang="en-US" sz="2800" spc="50" dirty="0">
                 <a:solidFill>
                   <a:schemeClr val="bg1"/>
                 </a:solidFill>
+                <a:latin typeface="Assistant" panose="00000500000000000000" pitchFamily="2" charset="-79"/>
+                <a:cs typeface="Assistant" panose="00000500000000000000" pitchFamily="2" charset="-79"/>
               </a:rPr>
               <a:t>Tasting of enjoyment greater</a:t>
             </a:r>
@@ -3610,29 +3668,35 @@
           <a:p>
             <a:pPr algn="ctr"/>
             <a:r>
-              <a:rPr lang="en-US" sz="3600" dirty="0">
+              <a:rPr lang="en-US" sz="2800" spc="50" dirty="0">
                 <a:solidFill>
                   <a:schemeClr val="bg1"/>
                 </a:solidFill>
+                <a:latin typeface="Assistant" panose="00000500000000000000" pitchFamily="2" charset="-79"/>
+                <a:cs typeface="Assistant" panose="00000500000000000000" pitchFamily="2" charset="-79"/>
               </a:rPr>
               <a:t>Than they could conceive before—</a:t>
             </a:r>
           </a:p>
           <a:p>
             <a:pPr algn="ctr"/>
-            <a:endParaRPr lang="en-US" sz="3600" dirty="0">
+            <a:endParaRPr lang="en-US" sz="2800" spc="50" dirty="0">
               <a:solidFill>
                 <a:schemeClr val="bg1"/>
               </a:solidFill>
+              <a:latin typeface="Assistant" panose="00000500000000000000" pitchFamily="2" charset="-79"/>
+              <a:cs typeface="Assistant" panose="00000500000000000000" pitchFamily="2" charset="-79"/>
             </a:endParaRPr>
           </a:p>
           <a:p>
             <a:pPr algn="ctr"/>
             <a:r>
-              <a:rPr lang="en-US" sz="3600" dirty="0">
+              <a:rPr lang="en-US" sz="2800" spc="50" dirty="0">
                 <a:solidFill>
                   <a:schemeClr val="bg1"/>
                 </a:solidFill>
+                <a:latin typeface="Assistant" panose="00000500000000000000" pitchFamily="2" charset="-79"/>
+                <a:cs typeface="Assistant" panose="00000500000000000000" pitchFamily="2" charset="-79"/>
               </a:rPr>
               <a:t>Full enjoyment,</a:t>
             </a:r>
@@ -3640,10 +3704,12 @@
           <a:p>
             <a:pPr algn="ctr"/>
             <a:r>
-              <a:rPr lang="en-US" sz="3600" dirty="0">
+              <a:rPr lang="en-US" sz="2800" spc="50" dirty="0">
                 <a:solidFill>
                   <a:schemeClr val="bg1"/>
                 </a:solidFill>
+                <a:latin typeface="Assistant" panose="00000500000000000000" pitchFamily="2" charset="-79"/>
+                <a:cs typeface="Assistant" panose="00000500000000000000" pitchFamily="2" charset="-79"/>
               </a:rPr>
               <a:t>Holy bliss forevermore;</a:t>
             </a:r>
@@ -3651,10 +3717,12 @@
           <a:p>
             <a:pPr algn="ctr"/>
             <a:r>
-              <a:rPr lang="en-US" sz="3600" dirty="0">
+              <a:rPr lang="en-US" sz="2800" spc="50" dirty="0">
                 <a:solidFill>
                   <a:schemeClr val="bg1"/>
                 </a:solidFill>
+                <a:latin typeface="Assistant" panose="00000500000000000000" pitchFamily="2" charset="-79"/>
+                <a:cs typeface="Assistant" panose="00000500000000000000" pitchFamily="2" charset="-79"/>
               </a:rPr>
               <a:t>Full enjoyment,</a:t>
             </a:r>
@@ -3662,10 +3730,12 @@
           <a:p>
             <a:pPr algn="ctr"/>
             <a:r>
-              <a:rPr lang="en-US" sz="3600" dirty="0">
+              <a:rPr lang="en-US" sz="2800" spc="50" dirty="0">
                 <a:solidFill>
                   <a:schemeClr val="bg1"/>
                 </a:solidFill>
+                <a:latin typeface="Assistant" panose="00000500000000000000" pitchFamily="2" charset="-79"/>
+                <a:cs typeface="Assistant" panose="00000500000000000000" pitchFamily="2" charset="-79"/>
               </a:rPr>
               <a:t>Holy bliss forevermore.</a:t>
             </a:r>
